--- a/Air-Tribu.pptx
+++ b/Air-Tribu.pptx
@@ -12,7 +12,15 @@
     <p:sldId id="260" r:id="rId6"/>
     <p:sldId id="261" r:id="rId7"/>
     <p:sldId id="262" r:id="rId8"/>
-    <p:sldId id="263" r:id="rId9"/>
+    <p:sldId id="264" r:id="rId9"/>
+    <p:sldId id="265" r:id="rId10"/>
+    <p:sldId id="266" r:id="rId11"/>
+    <p:sldId id="267" r:id="rId12"/>
+    <p:sldId id="268" r:id="rId13"/>
+    <p:sldId id="269" r:id="rId14"/>
+    <p:sldId id="270" r:id="rId15"/>
+    <p:sldId id="271" r:id="rId16"/>
+    <p:sldId id="263" r:id="rId17"/>
   </p:sldIdLst>
   <p:sldSz cx="12192000" cy="6858000"/>
   <p:notesSz cx="6858000" cy="9144000"/>
@@ -363,7 +371,7 @@
           <a:p>
             <a:fld id="{9184DA70-C731-4C70-880D-CCD4705E623C}" type="datetime1">
               <a:rPr lang="en-US" smtClean="0"/>
-              <a:t>3/16/2021</a:t>
+              <a:t>3/18/2021</a:t>
             </a:fld>
             <a:endParaRPr lang="en-US" dirty="0"/>
           </a:p>
@@ -551,7 +559,7 @@
           <a:p>
             <a:fld id="{B612A279-0833-481D-8C56-F67FD0AC6C50}" type="datetime1">
               <a:rPr lang="en-US" smtClean="0"/>
-              <a:t>3/16/2021</a:t>
+              <a:t>3/18/2021</a:t>
             </a:fld>
             <a:endParaRPr lang="en-US" dirty="0"/>
           </a:p>
@@ -793,7 +801,7 @@
           <a:p>
             <a:fld id="{6587DA83-5663-4C9C-B9AA-0B40A3DAFF81}" type="datetime1">
               <a:rPr lang="en-US" smtClean="0"/>
-              <a:t>3/16/2021</a:t>
+              <a:t>3/18/2021</a:t>
             </a:fld>
             <a:endParaRPr lang="en-US" dirty="0"/>
           </a:p>
@@ -981,7 +989,7 @@
           <a:p>
             <a:fld id="{4BE1D723-8F53-4F53-90B0-1982A396982E}" type="datetime1">
               <a:rPr lang="en-US" smtClean="0"/>
-              <a:t>3/16/2021</a:t>
+              <a:t>3/18/2021</a:t>
             </a:fld>
             <a:endParaRPr lang="en-US" dirty="0"/>
           </a:p>
@@ -1354,7 +1362,7 @@
           <a:p>
             <a:fld id="{97669AF7-7BEB-44E4-9852-375E34362B5B}" type="datetime1">
               <a:rPr lang="en-US" smtClean="0"/>
-              <a:t>3/16/2021</a:t>
+              <a:t>3/18/2021</a:t>
             </a:fld>
             <a:endParaRPr lang="en-US" dirty="0"/>
           </a:p>
@@ -1609,7 +1617,7 @@
           <a:p>
             <a:fld id="{BAAAC38D-0552-4C82-B593-E6124DFADBE2}" type="datetime1">
               <a:rPr lang="en-US" smtClean="0"/>
-              <a:t>3/16/2021</a:t>
+              <a:t>3/18/2021</a:t>
             </a:fld>
             <a:endParaRPr lang="en-US" dirty="0"/>
           </a:p>
@@ -2006,7 +2014,7 @@
           <a:p>
             <a:fld id="{D9DF0F1C-5577-4ACB-BB62-DF8F3C494C7E}" type="datetime1">
               <a:rPr lang="en-US" smtClean="0"/>
-              <a:t>3/16/2021</a:t>
+              <a:t>3/18/2021</a:t>
             </a:fld>
             <a:endParaRPr lang="en-US" dirty="0"/>
           </a:p>
@@ -2142,7 +2150,7 @@
           <a:p>
             <a:fld id="{1775B394-D9F9-4F0C-B15D-605F45CB9E9F}" type="datetime1">
               <a:rPr lang="en-US" smtClean="0"/>
-              <a:t>3/16/2021</a:t>
+              <a:t>3/18/2021</a:t>
             </a:fld>
             <a:endParaRPr lang="en-US" dirty="0"/>
           </a:p>
@@ -2299,7 +2307,7 @@
           <a:p>
             <a:fld id="{39667345-2558-425A-8533-9BFDBCE15005}" type="datetime1">
               <a:rPr lang="en-US" smtClean="0"/>
-              <a:t>3/16/2021</a:t>
+              <a:t>3/18/2021</a:t>
             </a:fld>
             <a:endParaRPr lang="en-US" dirty="0"/>
           </a:p>
@@ -2628,7 +2636,7 @@
           <a:p>
             <a:fld id="{92BEA474-078D-4E9B-9B14-09A87B19DC46}" type="datetime1">
               <a:rPr lang="en-US" smtClean="0"/>
-              <a:t>3/16/2021</a:t>
+              <a:t>3/18/2021</a:t>
             </a:fld>
             <a:endParaRPr lang="en-US" dirty="0"/>
           </a:p>
@@ -2978,7 +2986,7 @@
           <a:p>
             <a:fld id="{4907D986-8816-4272-A432-0437A28A9828}" type="datetime1">
               <a:rPr lang="en-US" smtClean="0"/>
-              <a:t>3/16/2021</a:t>
+              <a:t>3/18/2021</a:t>
             </a:fld>
             <a:endParaRPr lang="en-US" dirty="0"/>
           </a:p>
@@ -3239,7 +3247,7 @@
           <a:p>
             <a:fld id="{62D6E202-B606-4609-B914-27C9371A1F6D}" type="datetime1">
               <a:rPr lang="en-US" smtClean="0"/>
-              <a:t>3/16/2021</a:t>
+              <a:t>3/18/2021</a:t>
             </a:fld>
             <a:endParaRPr lang="en-US" dirty="0"/>
           </a:p>
@@ -3833,6 +3841,1069 @@
 </p:sld>
 </file>
 
+<file path=ppt/slides/slide10.xml><?xml version="1.0" encoding="utf-8"?>
+<p:sld xmlns:a="http://schemas.openxmlformats.org/drawingml/2006/main" xmlns:r="http://schemas.openxmlformats.org/officeDocument/2006/relationships" xmlns:p="http://schemas.openxmlformats.org/presentationml/2006/main">
+  <p:cSld>
+    <p:spTree>
+      <p:nvGrpSpPr>
+        <p:cNvPr id="1" name=""/>
+        <p:cNvGrpSpPr/>
+        <p:nvPr/>
+      </p:nvGrpSpPr>
+      <p:grpSpPr>
+        <a:xfrm>
+          <a:off x="0" y="0"/>
+          <a:ext cx="0" cy="0"/>
+          <a:chOff x="0" y="0"/>
+          <a:chExt cx="0" cy="0"/>
+        </a:xfrm>
+      </p:grpSpPr>
+      <p:sp>
+        <p:nvSpPr>
+          <p:cNvPr id="2" name="Title 1">
+            <a:extLst>
+              <a:ext uri="{FF2B5EF4-FFF2-40B4-BE49-F238E27FC236}">
+                <a16:creationId xmlns:a16="http://schemas.microsoft.com/office/drawing/2014/main" id="{548EB535-0A6D-4E87-B373-5AFD71EE31EA}"/>
+              </a:ext>
+            </a:extLst>
+          </p:cNvPr>
+          <p:cNvSpPr>
+            <a:spLocks noGrp="1"/>
+          </p:cNvSpPr>
+          <p:nvPr>
+            <p:ph type="title"/>
+          </p:nvPr>
+        </p:nvSpPr>
+        <p:spPr/>
+        <p:txBody>
+          <a:bodyPr/>
+          <a:lstStyle/>
+          <a:p>
+            <a:r>
+              <a:rPr lang="es-PE" dirty="0"/>
+              <a:t>Ejercicio</a:t>
+            </a:r>
+            <a:r>
+              <a:rPr lang="en-US" dirty="0"/>
+              <a:t> 9 </a:t>
+            </a:r>
+          </a:p>
+        </p:txBody>
+      </p:sp>
+      <p:sp>
+        <p:nvSpPr>
+          <p:cNvPr id="3" name="Content Placeholder 2">
+            <a:extLst>
+              <a:ext uri="{FF2B5EF4-FFF2-40B4-BE49-F238E27FC236}">
+                <a16:creationId xmlns:a16="http://schemas.microsoft.com/office/drawing/2014/main" id="{D6DAC55B-9D3E-4DD0-B8B0-137372B5973F}"/>
+              </a:ext>
+            </a:extLst>
+          </p:cNvPr>
+          <p:cNvSpPr>
+            <a:spLocks noGrp="1"/>
+          </p:cNvSpPr>
+          <p:nvPr>
+            <p:ph idx="1"/>
+          </p:nvPr>
+        </p:nvSpPr>
+        <p:spPr/>
+        <p:txBody>
+          <a:bodyPr/>
+          <a:lstStyle/>
+          <a:p>
+            <a:r>
+              <a:rPr lang="es-PE" dirty="0"/>
+              <a:t>En este ejercicio se utilizó una función UDF, la cual permitió trabajar sobre la columna País para seleccionar los VIP (México, Perú y España)</a:t>
+            </a:r>
+          </a:p>
+        </p:txBody>
+      </p:sp>
+      <p:pic>
+        <p:nvPicPr>
+          <p:cNvPr id="5" name="Picture 4">
+            <a:extLst>
+              <a:ext uri="{FF2B5EF4-FFF2-40B4-BE49-F238E27FC236}">
+                <a16:creationId xmlns:a16="http://schemas.microsoft.com/office/drawing/2014/main" id="{1EE75E2A-73AB-4E34-8912-C04A3202E8BD}"/>
+              </a:ext>
+            </a:extLst>
+          </p:cNvPr>
+          <p:cNvPicPr>
+            <a:picLocks noChangeAspect="1"/>
+          </p:cNvPicPr>
+          <p:nvPr/>
+        </p:nvPicPr>
+        <p:blipFill>
+          <a:blip r:embed="rId2"/>
+          <a:stretch>
+            <a:fillRect/>
+          </a:stretch>
+        </p:blipFill>
+        <p:spPr>
+          <a:xfrm>
+            <a:off x="1232682" y="3341914"/>
+            <a:ext cx="5594140" cy="2120418"/>
+          </a:xfrm>
+          <a:prstGeom prst="rect">
+            <a:avLst/>
+          </a:prstGeom>
+        </p:spPr>
+      </p:pic>
+      <p:pic>
+        <p:nvPicPr>
+          <p:cNvPr id="8" name="Picture 7">
+            <a:extLst>
+              <a:ext uri="{FF2B5EF4-FFF2-40B4-BE49-F238E27FC236}">
+                <a16:creationId xmlns:a16="http://schemas.microsoft.com/office/drawing/2014/main" id="{EF5C7F81-E4E0-46E9-B9B8-57D89713005B}"/>
+              </a:ext>
+            </a:extLst>
+          </p:cNvPr>
+          <p:cNvPicPr>
+            <a:picLocks noChangeAspect="1"/>
+          </p:cNvPicPr>
+          <p:nvPr/>
+        </p:nvPicPr>
+        <p:blipFill>
+          <a:blip r:embed="rId3"/>
+          <a:stretch>
+            <a:fillRect/>
+          </a:stretch>
+        </p:blipFill>
+        <p:spPr>
+          <a:xfrm>
+            <a:off x="7420071" y="3341914"/>
+            <a:ext cx="3286125" cy="2133600"/>
+          </a:xfrm>
+          <a:prstGeom prst="rect">
+            <a:avLst/>
+          </a:prstGeom>
+        </p:spPr>
+      </p:pic>
+    </p:spTree>
+    <p:extLst>
+      <p:ext uri="{BB962C8B-B14F-4D97-AF65-F5344CB8AC3E}">
+        <p14:creationId xmlns:p14="http://schemas.microsoft.com/office/powerpoint/2010/main" val="3829732703"/>
+      </p:ext>
+    </p:extLst>
+  </p:cSld>
+  <p:clrMapOvr>
+    <a:masterClrMapping/>
+  </p:clrMapOvr>
+</p:sld>
+</file>
+
+<file path=ppt/slides/slide11.xml><?xml version="1.0" encoding="utf-8"?>
+<p:sld xmlns:a="http://schemas.openxmlformats.org/drawingml/2006/main" xmlns:r="http://schemas.openxmlformats.org/officeDocument/2006/relationships" xmlns:p="http://schemas.openxmlformats.org/presentationml/2006/main">
+  <p:cSld>
+    <p:spTree>
+      <p:nvGrpSpPr>
+        <p:cNvPr id="1" name=""/>
+        <p:cNvGrpSpPr/>
+        <p:nvPr/>
+      </p:nvGrpSpPr>
+      <p:grpSpPr>
+        <a:xfrm>
+          <a:off x="0" y="0"/>
+          <a:ext cx="0" cy="0"/>
+          <a:chOff x="0" y="0"/>
+          <a:chExt cx="0" cy="0"/>
+        </a:xfrm>
+      </p:grpSpPr>
+      <p:sp>
+        <p:nvSpPr>
+          <p:cNvPr id="2" name="Title 1">
+            <a:extLst>
+              <a:ext uri="{FF2B5EF4-FFF2-40B4-BE49-F238E27FC236}">
+                <a16:creationId xmlns:a16="http://schemas.microsoft.com/office/drawing/2014/main" id="{548EB535-0A6D-4E87-B373-5AFD71EE31EA}"/>
+              </a:ext>
+            </a:extLst>
+          </p:cNvPr>
+          <p:cNvSpPr>
+            <a:spLocks noGrp="1"/>
+          </p:cNvSpPr>
+          <p:nvPr>
+            <p:ph type="title"/>
+          </p:nvPr>
+        </p:nvSpPr>
+        <p:spPr/>
+        <p:txBody>
+          <a:bodyPr/>
+          <a:lstStyle/>
+          <a:p>
+            <a:r>
+              <a:rPr lang="es-PE" dirty="0"/>
+              <a:t>Ejercicio</a:t>
+            </a:r>
+            <a:r>
+              <a:rPr lang="en-US" dirty="0"/>
+              <a:t> 10 </a:t>
+            </a:r>
+          </a:p>
+        </p:txBody>
+      </p:sp>
+      <p:sp>
+        <p:nvSpPr>
+          <p:cNvPr id="3" name="Content Placeholder 2">
+            <a:extLst>
+              <a:ext uri="{FF2B5EF4-FFF2-40B4-BE49-F238E27FC236}">
+                <a16:creationId xmlns:a16="http://schemas.microsoft.com/office/drawing/2014/main" id="{D6DAC55B-9D3E-4DD0-B8B0-137372B5973F}"/>
+              </a:ext>
+            </a:extLst>
+          </p:cNvPr>
+          <p:cNvSpPr>
+            <a:spLocks noGrp="1"/>
+          </p:cNvSpPr>
+          <p:nvPr>
+            <p:ph idx="1"/>
+          </p:nvPr>
+        </p:nvSpPr>
+        <p:spPr/>
+        <p:txBody>
+          <a:bodyPr/>
+          <a:lstStyle/>
+          <a:p>
+            <a:r>
+              <a:rPr lang="es-PE" dirty="0"/>
+              <a:t>Para poder guardar en múltiples archivos, se utilizó el método </a:t>
+            </a:r>
+            <a:r>
+              <a:rPr lang="es-PE" dirty="0" err="1"/>
+              <a:t>repartition</a:t>
+            </a:r>
+            <a:r>
+              <a:rPr lang="es-PE" dirty="0"/>
+              <a:t>, que divide de forma equitativa el </a:t>
+            </a:r>
+            <a:r>
+              <a:rPr lang="es-PE" dirty="0" err="1"/>
+              <a:t>dataframe</a:t>
+            </a:r>
+            <a:r>
+              <a:rPr lang="es-PE" dirty="0"/>
+              <a:t>. Luego se escribió en formato .</a:t>
+            </a:r>
+            <a:r>
+              <a:rPr lang="es-PE" dirty="0" err="1"/>
+              <a:t>parquet</a:t>
+            </a:r>
+            <a:r>
+              <a:rPr lang="es-PE" dirty="0"/>
+              <a:t> en una ruta </a:t>
+            </a:r>
+            <a:r>
+              <a:rPr lang="es-PE" dirty="0" err="1"/>
+              <a:t>hdfs</a:t>
+            </a:r>
+            <a:r>
+              <a:rPr lang="es-PE" dirty="0"/>
+              <a:t>. </a:t>
+            </a:r>
+          </a:p>
+        </p:txBody>
+      </p:sp>
+      <p:pic>
+        <p:nvPicPr>
+          <p:cNvPr id="6" name="Picture 5">
+            <a:extLst>
+              <a:ext uri="{FF2B5EF4-FFF2-40B4-BE49-F238E27FC236}">
+                <a16:creationId xmlns:a16="http://schemas.microsoft.com/office/drawing/2014/main" id="{BCDED222-0A8E-4B87-8C1D-3B613902E9B2}"/>
+              </a:ext>
+            </a:extLst>
+          </p:cNvPr>
+          <p:cNvPicPr>
+            <a:picLocks noChangeAspect="1"/>
+          </p:cNvPicPr>
+          <p:nvPr/>
+        </p:nvPicPr>
+        <p:blipFill>
+          <a:blip r:embed="rId2"/>
+          <a:stretch>
+            <a:fillRect/>
+          </a:stretch>
+        </p:blipFill>
+        <p:spPr>
+          <a:xfrm>
+            <a:off x="847911" y="3429000"/>
+            <a:ext cx="10762410" cy="1367950"/>
+          </a:xfrm>
+          <a:prstGeom prst="rect">
+            <a:avLst/>
+          </a:prstGeom>
+        </p:spPr>
+      </p:pic>
+    </p:spTree>
+    <p:extLst>
+      <p:ext uri="{BB962C8B-B14F-4D97-AF65-F5344CB8AC3E}">
+        <p14:creationId xmlns:p14="http://schemas.microsoft.com/office/powerpoint/2010/main" val="3125343114"/>
+      </p:ext>
+    </p:extLst>
+  </p:cSld>
+  <p:clrMapOvr>
+    <a:masterClrMapping/>
+  </p:clrMapOvr>
+</p:sld>
+</file>
+
+<file path=ppt/slides/slide12.xml><?xml version="1.0" encoding="utf-8"?>
+<p:sld xmlns:a="http://schemas.openxmlformats.org/drawingml/2006/main" xmlns:r="http://schemas.openxmlformats.org/officeDocument/2006/relationships" xmlns:p="http://schemas.openxmlformats.org/presentationml/2006/main">
+  <p:cSld>
+    <p:spTree>
+      <p:nvGrpSpPr>
+        <p:cNvPr id="1" name=""/>
+        <p:cNvGrpSpPr/>
+        <p:nvPr/>
+      </p:nvGrpSpPr>
+      <p:grpSpPr>
+        <a:xfrm>
+          <a:off x="0" y="0"/>
+          <a:ext cx="0" cy="0"/>
+          <a:chOff x="0" y="0"/>
+          <a:chExt cx="0" cy="0"/>
+        </a:xfrm>
+      </p:grpSpPr>
+      <p:sp>
+        <p:nvSpPr>
+          <p:cNvPr id="2" name="Title 1">
+            <a:extLst>
+              <a:ext uri="{FF2B5EF4-FFF2-40B4-BE49-F238E27FC236}">
+                <a16:creationId xmlns:a16="http://schemas.microsoft.com/office/drawing/2014/main" id="{548EB535-0A6D-4E87-B373-5AFD71EE31EA}"/>
+              </a:ext>
+            </a:extLst>
+          </p:cNvPr>
+          <p:cNvSpPr>
+            <a:spLocks noGrp="1"/>
+          </p:cNvSpPr>
+          <p:nvPr>
+            <p:ph type="title"/>
+          </p:nvPr>
+        </p:nvSpPr>
+        <p:spPr/>
+        <p:txBody>
+          <a:bodyPr/>
+          <a:lstStyle/>
+          <a:p>
+            <a:r>
+              <a:rPr lang="es-PE" dirty="0"/>
+              <a:t>Ejercicio</a:t>
+            </a:r>
+            <a:r>
+              <a:rPr lang="en-US" dirty="0"/>
+              <a:t> 11 </a:t>
+            </a:r>
+          </a:p>
+        </p:txBody>
+      </p:sp>
+      <p:sp>
+        <p:nvSpPr>
+          <p:cNvPr id="3" name="Content Placeholder 2">
+            <a:extLst>
+              <a:ext uri="{FF2B5EF4-FFF2-40B4-BE49-F238E27FC236}">
+                <a16:creationId xmlns:a16="http://schemas.microsoft.com/office/drawing/2014/main" id="{D6DAC55B-9D3E-4DD0-B8B0-137372B5973F}"/>
+              </a:ext>
+            </a:extLst>
+          </p:cNvPr>
+          <p:cNvSpPr>
+            <a:spLocks noGrp="1"/>
+          </p:cNvSpPr>
+          <p:nvPr>
+            <p:ph idx="1"/>
+          </p:nvPr>
+        </p:nvSpPr>
+        <p:spPr/>
+        <p:txBody>
+          <a:bodyPr/>
+          <a:lstStyle/>
+          <a:p>
+            <a:r>
+              <a:rPr lang="es-ES" dirty="0"/>
+              <a:t>Se utilizaría Cache cuando se requiera acceso veloz de una RDD, ya que se guarda en memoria automáticamente. </a:t>
+            </a:r>
+          </a:p>
+          <a:p>
+            <a:r>
+              <a:rPr lang="es-ES" dirty="0"/>
+              <a:t>Con </a:t>
+            </a:r>
+            <a:r>
+              <a:rPr lang="es-ES" dirty="0" err="1"/>
+              <a:t>persist</a:t>
+            </a:r>
+            <a:r>
+              <a:rPr lang="es-ES" dirty="0"/>
+              <a:t>, se guarda según el nivel de almacenamiento definido por el usuario. </a:t>
+            </a:r>
+            <a:endParaRPr lang="es-PE" dirty="0"/>
+          </a:p>
+        </p:txBody>
+      </p:sp>
+      <p:pic>
+        <p:nvPicPr>
+          <p:cNvPr id="5" name="Picture 4" descr="Diagram&#10;&#10;Description automatically generated">
+            <a:extLst>
+              <a:ext uri="{FF2B5EF4-FFF2-40B4-BE49-F238E27FC236}">
+                <a16:creationId xmlns:a16="http://schemas.microsoft.com/office/drawing/2014/main" id="{ECF9F8CA-219C-43A1-9F75-113FEC4E3EED}"/>
+              </a:ext>
+            </a:extLst>
+          </p:cNvPr>
+          <p:cNvPicPr>
+            <a:picLocks noChangeAspect="1"/>
+          </p:cNvPicPr>
+          <p:nvPr/>
+        </p:nvPicPr>
+        <p:blipFill>
+          <a:blip r:embed="rId2">
+            <a:extLst>
+              <a:ext uri="{28A0092B-C50C-407E-A947-70E740481C1C}">
+                <a14:useLocalDpi xmlns:a14="http://schemas.microsoft.com/office/drawing/2010/main" val="0"/>
+              </a:ext>
+            </a:extLst>
+          </a:blip>
+          <a:stretch>
+            <a:fillRect/>
+          </a:stretch>
+        </p:blipFill>
+        <p:spPr>
+          <a:xfrm>
+            <a:off x="3553930" y="3429000"/>
+            <a:ext cx="5084140" cy="2519402"/>
+          </a:xfrm>
+          <a:prstGeom prst="rect">
+            <a:avLst/>
+          </a:prstGeom>
+        </p:spPr>
+      </p:pic>
+    </p:spTree>
+    <p:extLst>
+      <p:ext uri="{BB962C8B-B14F-4D97-AF65-F5344CB8AC3E}">
+        <p14:creationId xmlns:p14="http://schemas.microsoft.com/office/powerpoint/2010/main" val="4171368702"/>
+      </p:ext>
+    </p:extLst>
+  </p:cSld>
+  <p:clrMapOvr>
+    <a:masterClrMapping/>
+  </p:clrMapOvr>
+</p:sld>
+</file>
+
+<file path=ppt/slides/slide13.xml><?xml version="1.0" encoding="utf-8"?>
+<p:sld xmlns:a="http://schemas.openxmlformats.org/drawingml/2006/main" xmlns:r="http://schemas.openxmlformats.org/officeDocument/2006/relationships" xmlns:p="http://schemas.openxmlformats.org/presentationml/2006/main">
+  <p:cSld>
+    <p:spTree>
+      <p:nvGrpSpPr>
+        <p:cNvPr id="1" name=""/>
+        <p:cNvGrpSpPr/>
+        <p:nvPr/>
+      </p:nvGrpSpPr>
+      <p:grpSpPr>
+        <a:xfrm>
+          <a:off x="0" y="0"/>
+          <a:ext cx="0" cy="0"/>
+          <a:chOff x="0" y="0"/>
+          <a:chExt cx="0" cy="0"/>
+        </a:xfrm>
+      </p:grpSpPr>
+      <p:sp>
+        <p:nvSpPr>
+          <p:cNvPr id="2" name="Title 1">
+            <a:extLst>
+              <a:ext uri="{FF2B5EF4-FFF2-40B4-BE49-F238E27FC236}">
+                <a16:creationId xmlns:a16="http://schemas.microsoft.com/office/drawing/2014/main" id="{548EB535-0A6D-4E87-B373-5AFD71EE31EA}"/>
+              </a:ext>
+            </a:extLst>
+          </p:cNvPr>
+          <p:cNvSpPr>
+            <a:spLocks noGrp="1"/>
+          </p:cNvSpPr>
+          <p:nvPr>
+            <p:ph type="title"/>
+          </p:nvPr>
+        </p:nvSpPr>
+        <p:spPr/>
+        <p:txBody>
+          <a:bodyPr/>
+          <a:lstStyle/>
+          <a:p>
+            <a:r>
+              <a:rPr lang="es-PE" dirty="0"/>
+              <a:t>Ejercicio</a:t>
+            </a:r>
+            <a:r>
+              <a:rPr lang="en-US" dirty="0"/>
+              <a:t> 12 </a:t>
+            </a:r>
+          </a:p>
+        </p:txBody>
+      </p:sp>
+      <p:sp>
+        <p:nvSpPr>
+          <p:cNvPr id="3" name="Content Placeholder 2">
+            <a:extLst>
+              <a:ext uri="{FF2B5EF4-FFF2-40B4-BE49-F238E27FC236}">
+                <a16:creationId xmlns:a16="http://schemas.microsoft.com/office/drawing/2014/main" id="{D6DAC55B-9D3E-4DD0-B8B0-137372B5973F}"/>
+              </a:ext>
+            </a:extLst>
+          </p:cNvPr>
+          <p:cNvSpPr>
+            <a:spLocks noGrp="1"/>
+          </p:cNvSpPr>
+          <p:nvPr>
+            <p:ph idx="1"/>
+          </p:nvPr>
+        </p:nvSpPr>
+        <p:spPr/>
+        <p:txBody>
+          <a:bodyPr/>
+          <a:lstStyle/>
+          <a:p>
+            <a:r>
+              <a:rPr lang="es-PE" dirty="0"/>
+              <a:t>Para poder crear una nueva tabla con solo los países Perú y México, se utilizó la función </a:t>
+            </a:r>
+            <a:r>
+              <a:rPr lang="es-PE" dirty="0" err="1"/>
+              <a:t>filter</a:t>
+            </a:r>
+            <a:r>
+              <a:rPr lang="es-PE" dirty="0"/>
+              <a:t> y luego la .</a:t>
+            </a:r>
+            <a:r>
+              <a:rPr lang="es-PE" dirty="0" err="1"/>
+              <a:t>write</a:t>
+            </a:r>
+            <a:r>
+              <a:rPr lang="es-PE" dirty="0"/>
+              <a:t> para escribir en </a:t>
+            </a:r>
+            <a:r>
+              <a:rPr lang="es-PE" dirty="0" err="1"/>
+              <a:t>hdfs</a:t>
+            </a:r>
+            <a:r>
+              <a:rPr lang="es-PE" dirty="0"/>
+              <a:t>.</a:t>
+            </a:r>
+          </a:p>
+        </p:txBody>
+      </p:sp>
+      <p:pic>
+        <p:nvPicPr>
+          <p:cNvPr id="5" name="Picture 4">
+            <a:extLst>
+              <a:ext uri="{FF2B5EF4-FFF2-40B4-BE49-F238E27FC236}">
+                <a16:creationId xmlns:a16="http://schemas.microsoft.com/office/drawing/2014/main" id="{0BB958B0-FC59-4760-987F-5E8E76753153}"/>
+              </a:ext>
+            </a:extLst>
+          </p:cNvPr>
+          <p:cNvPicPr>
+            <a:picLocks noChangeAspect="1"/>
+          </p:cNvPicPr>
+          <p:nvPr/>
+        </p:nvPicPr>
+        <p:blipFill>
+          <a:blip r:embed="rId2"/>
+          <a:stretch>
+            <a:fillRect/>
+          </a:stretch>
+        </p:blipFill>
+        <p:spPr>
+          <a:xfrm>
+            <a:off x="1186037" y="2998046"/>
+            <a:ext cx="8410575" cy="1981200"/>
+          </a:xfrm>
+          <a:prstGeom prst="rect">
+            <a:avLst/>
+          </a:prstGeom>
+        </p:spPr>
+      </p:pic>
+      <p:pic>
+        <p:nvPicPr>
+          <p:cNvPr id="8" name="Picture 7">
+            <a:extLst>
+              <a:ext uri="{FF2B5EF4-FFF2-40B4-BE49-F238E27FC236}">
+                <a16:creationId xmlns:a16="http://schemas.microsoft.com/office/drawing/2014/main" id="{EACA321E-2906-4ADA-B06E-1BE1EDAE21B5}"/>
+              </a:ext>
+            </a:extLst>
+          </p:cNvPr>
+          <p:cNvPicPr>
+            <a:picLocks noChangeAspect="1"/>
+          </p:cNvPicPr>
+          <p:nvPr/>
+        </p:nvPicPr>
+        <p:blipFill>
+          <a:blip r:embed="rId3"/>
+          <a:stretch>
+            <a:fillRect/>
+          </a:stretch>
+        </p:blipFill>
+        <p:spPr>
+          <a:xfrm>
+            <a:off x="1186037" y="4979246"/>
+            <a:ext cx="9791700" cy="981075"/>
+          </a:xfrm>
+          <a:prstGeom prst="rect">
+            <a:avLst/>
+          </a:prstGeom>
+        </p:spPr>
+      </p:pic>
+    </p:spTree>
+    <p:extLst>
+      <p:ext uri="{BB962C8B-B14F-4D97-AF65-F5344CB8AC3E}">
+        <p14:creationId xmlns:p14="http://schemas.microsoft.com/office/powerpoint/2010/main" val="701480247"/>
+      </p:ext>
+    </p:extLst>
+  </p:cSld>
+  <p:clrMapOvr>
+    <a:masterClrMapping/>
+  </p:clrMapOvr>
+</p:sld>
+</file>
+
+<file path=ppt/slides/slide14.xml><?xml version="1.0" encoding="utf-8"?>
+<p:sld xmlns:a="http://schemas.openxmlformats.org/drawingml/2006/main" xmlns:r="http://schemas.openxmlformats.org/officeDocument/2006/relationships" xmlns:p="http://schemas.openxmlformats.org/presentationml/2006/main">
+  <p:cSld>
+    <p:spTree>
+      <p:nvGrpSpPr>
+        <p:cNvPr id="1" name=""/>
+        <p:cNvGrpSpPr/>
+        <p:nvPr/>
+      </p:nvGrpSpPr>
+      <p:grpSpPr>
+        <a:xfrm>
+          <a:off x="0" y="0"/>
+          <a:ext cx="0" cy="0"/>
+          <a:chOff x="0" y="0"/>
+          <a:chExt cx="0" cy="0"/>
+        </a:xfrm>
+      </p:grpSpPr>
+      <p:sp>
+        <p:nvSpPr>
+          <p:cNvPr id="2" name="Title 1">
+            <a:extLst>
+              <a:ext uri="{FF2B5EF4-FFF2-40B4-BE49-F238E27FC236}">
+                <a16:creationId xmlns:a16="http://schemas.microsoft.com/office/drawing/2014/main" id="{548EB535-0A6D-4E87-B373-5AFD71EE31EA}"/>
+              </a:ext>
+            </a:extLst>
+          </p:cNvPr>
+          <p:cNvSpPr>
+            <a:spLocks noGrp="1"/>
+          </p:cNvSpPr>
+          <p:nvPr>
+            <p:ph type="title"/>
+          </p:nvPr>
+        </p:nvSpPr>
+        <p:spPr>
+          <a:xfrm>
+            <a:off x="1097280" y="286603"/>
+            <a:ext cx="10058400" cy="1450757"/>
+          </a:xfrm>
+        </p:spPr>
+        <p:txBody>
+          <a:bodyPr anchor="b">
+            <a:normAutofit/>
+          </a:bodyPr>
+          <a:lstStyle/>
+          <a:p>
+            <a:r>
+              <a:rPr lang="es-PE" dirty="0"/>
+              <a:t>Ejercicio</a:t>
+            </a:r>
+            <a:r>
+              <a:rPr lang="en-US" dirty="0"/>
+              <a:t> 13 </a:t>
+            </a:r>
+          </a:p>
+        </p:txBody>
+      </p:sp>
+      <p:sp>
+        <p:nvSpPr>
+          <p:cNvPr id="3" name="Content Placeholder 2">
+            <a:extLst>
+              <a:ext uri="{FF2B5EF4-FFF2-40B4-BE49-F238E27FC236}">
+                <a16:creationId xmlns:a16="http://schemas.microsoft.com/office/drawing/2014/main" id="{D6DAC55B-9D3E-4DD0-B8B0-137372B5973F}"/>
+              </a:ext>
+            </a:extLst>
+          </p:cNvPr>
+          <p:cNvSpPr>
+            <a:spLocks noGrp="1"/>
+          </p:cNvSpPr>
+          <p:nvPr>
+            <p:ph sz="half" idx="1"/>
+          </p:nvPr>
+        </p:nvSpPr>
+        <p:spPr>
+          <a:xfrm>
+            <a:off x="1097280" y="2120900"/>
+            <a:ext cx="4639736" cy="3748193"/>
+          </a:xfrm>
+        </p:spPr>
+        <p:txBody>
+          <a:bodyPr>
+            <a:normAutofit/>
+          </a:bodyPr>
+          <a:lstStyle/>
+          <a:p>
+            <a:pPr algn="just"/>
+            <a:r>
+              <a:rPr lang="es-PE" dirty="0" err="1"/>
+              <a:t>Shuffle</a:t>
+            </a:r>
+            <a:r>
+              <a:rPr lang="es-PE" dirty="0"/>
+              <a:t> es un mecanismo de </a:t>
+            </a:r>
+            <a:r>
+              <a:rPr lang="es-PE" dirty="0" err="1"/>
+              <a:t>Spark</a:t>
+            </a:r>
+            <a:r>
+              <a:rPr lang="es-PE" dirty="0"/>
+              <a:t> para re distribuir entre diferentes particiones.</a:t>
+            </a:r>
+          </a:p>
+          <a:p>
+            <a:pPr algn="just"/>
+            <a:r>
+              <a:rPr lang="es-PE" dirty="0"/>
+              <a:t>Esto afecta el procesamiento de forma negativa, debido a que </a:t>
+            </a:r>
+            <a:r>
+              <a:rPr lang="es-PE" dirty="0" err="1"/>
+              <a:t>Spark</a:t>
+            </a:r>
+            <a:r>
+              <a:rPr lang="es-PE" dirty="0"/>
+              <a:t> debe enviar data entre distintos nodos, lo que genera mayor tiempo y trabajo computacional. </a:t>
+            </a:r>
+          </a:p>
+        </p:txBody>
+      </p:sp>
+      <p:pic>
+        <p:nvPicPr>
+          <p:cNvPr id="6" name="Picture 5" descr="Diagram, shape&#10;&#10;Description automatically generated with medium confidence">
+            <a:extLst>
+              <a:ext uri="{FF2B5EF4-FFF2-40B4-BE49-F238E27FC236}">
+                <a16:creationId xmlns:a16="http://schemas.microsoft.com/office/drawing/2014/main" id="{784CC812-7079-4484-BE31-E60BE8C9D876}"/>
+              </a:ext>
+            </a:extLst>
+          </p:cNvPr>
+          <p:cNvPicPr>
+            <a:picLocks noChangeAspect="1"/>
+          </p:cNvPicPr>
+          <p:nvPr/>
+        </p:nvPicPr>
+        <p:blipFill>
+          <a:blip r:embed="rId2">
+            <a:extLst>
+              <a:ext uri="{28A0092B-C50C-407E-A947-70E740481C1C}">
+                <a14:useLocalDpi xmlns:a14="http://schemas.microsoft.com/office/drawing/2010/main" val="0"/>
+              </a:ext>
+            </a:extLst>
+          </a:blip>
+          <a:stretch>
+            <a:fillRect/>
+          </a:stretch>
+        </p:blipFill>
+        <p:spPr>
+          <a:xfrm>
+            <a:off x="6515944" y="2218077"/>
+            <a:ext cx="4639736" cy="3553840"/>
+          </a:xfrm>
+          <a:prstGeom prst="rect">
+            <a:avLst/>
+          </a:prstGeom>
+          <a:noFill/>
+        </p:spPr>
+      </p:pic>
+    </p:spTree>
+    <p:extLst>
+      <p:ext uri="{BB962C8B-B14F-4D97-AF65-F5344CB8AC3E}">
+        <p14:creationId xmlns:p14="http://schemas.microsoft.com/office/powerpoint/2010/main" val="2209960597"/>
+      </p:ext>
+    </p:extLst>
+  </p:cSld>
+  <p:clrMapOvr>
+    <a:masterClrMapping/>
+  </p:clrMapOvr>
+</p:sld>
+</file>
+
+<file path=ppt/slides/slide15.xml><?xml version="1.0" encoding="utf-8"?>
+<p:sld xmlns:a="http://schemas.openxmlformats.org/drawingml/2006/main" xmlns:r="http://schemas.openxmlformats.org/officeDocument/2006/relationships" xmlns:p="http://schemas.openxmlformats.org/presentationml/2006/main">
+  <p:cSld>
+    <p:spTree>
+      <p:nvGrpSpPr>
+        <p:cNvPr id="1" name=""/>
+        <p:cNvGrpSpPr/>
+        <p:nvPr/>
+      </p:nvGrpSpPr>
+      <p:grpSpPr>
+        <a:xfrm>
+          <a:off x="0" y="0"/>
+          <a:ext cx="0" cy="0"/>
+          <a:chOff x="0" y="0"/>
+          <a:chExt cx="0" cy="0"/>
+        </a:xfrm>
+      </p:grpSpPr>
+      <p:sp>
+        <p:nvSpPr>
+          <p:cNvPr id="2" name="Title 1">
+            <a:extLst>
+              <a:ext uri="{FF2B5EF4-FFF2-40B4-BE49-F238E27FC236}">
+                <a16:creationId xmlns:a16="http://schemas.microsoft.com/office/drawing/2014/main" id="{548EB535-0A6D-4E87-B373-5AFD71EE31EA}"/>
+              </a:ext>
+            </a:extLst>
+          </p:cNvPr>
+          <p:cNvSpPr>
+            <a:spLocks noGrp="1"/>
+          </p:cNvSpPr>
+          <p:nvPr>
+            <p:ph type="title"/>
+          </p:nvPr>
+        </p:nvSpPr>
+        <p:spPr/>
+        <p:txBody>
+          <a:bodyPr/>
+          <a:lstStyle/>
+          <a:p>
+            <a:r>
+              <a:rPr lang="es-PE" dirty="0"/>
+              <a:t>Ejercicio</a:t>
+            </a:r>
+            <a:r>
+              <a:rPr lang="en-US" dirty="0"/>
+              <a:t> 14 </a:t>
+            </a:r>
+          </a:p>
+        </p:txBody>
+      </p:sp>
+      <p:sp>
+        <p:nvSpPr>
+          <p:cNvPr id="3" name="Content Placeholder 2">
+            <a:extLst>
+              <a:ext uri="{FF2B5EF4-FFF2-40B4-BE49-F238E27FC236}">
+                <a16:creationId xmlns:a16="http://schemas.microsoft.com/office/drawing/2014/main" id="{D6DAC55B-9D3E-4DD0-B8B0-137372B5973F}"/>
+              </a:ext>
+            </a:extLst>
+          </p:cNvPr>
+          <p:cNvSpPr>
+            <a:spLocks noGrp="1"/>
+          </p:cNvSpPr>
+          <p:nvPr>
+            <p:ph idx="1"/>
+          </p:nvPr>
+        </p:nvSpPr>
+        <p:spPr>
+          <a:xfrm>
+            <a:off x="895945" y="2323215"/>
+            <a:ext cx="5538412" cy="2508844"/>
+          </a:xfrm>
+        </p:spPr>
+        <p:txBody>
+          <a:bodyPr/>
+          <a:lstStyle/>
+          <a:p>
+            <a:pPr algn="just"/>
+            <a:r>
+              <a:rPr lang="es-PE" dirty="0"/>
+              <a:t>Una forma de identificar </a:t>
+            </a:r>
+            <a:r>
+              <a:rPr lang="es-PE" dirty="0" err="1"/>
+              <a:t>Shuffle</a:t>
+            </a:r>
+            <a:r>
+              <a:rPr lang="es-PE" dirty="0"/>
+              <a:t> en una operación es cuando el RDD resultante depende de otras particiones dentro del mismo RDD o de otro. </a:t>
+            </a:r>
+          </a:p>
+          <a:p>
+            <a:pPr algn="just"/>
+            <a:r>
+              <a:rPr lang="es-PE" dirty="0"/>
+              <a:t>Para poder disminuirlo se recomienda aplicar un reduce sobre el </a:t>
+            </a:r>
+            <a:r>
+              <a:rPr lang="es-PE" dirty="0" err="1"/>
+              <a:t>dataset</a:t>
+            </a:r>
+            <a:r>
+              <a:rPr lang="es-PE" dirty="0"/>
+              <a:t>, de forma que la data envida entre nodos es reducida. </a:t>
+            </a:r>
+          </a:p>
+        </p:txBody>
+      </p:sp>
+      <p:pic>
+        <p:nvPicPr>
+          <p:cNvPr id="6" name="Picture 5" descr="Chart&#10;&#10;Description automatically generated">
+            <a:extLst>
+              <a:ext uri="{FF2B5EF4-FFF2-40B4-BE49-F238E27FC236}">
+                <a16:creationId xmlns:a16="http://schemas.microsoft.com/office/drawing/2014/main" id="{6AD2BED8-D53B-417E-9C72-66876C6AF15E}"/>
+              </a:ext>
+            </a:extLst>
+          </p:cNvPr>
+          <p:cNvPicPr>
+            <a:picLocks noChangeAspect="1"/>
+          </p:cNvPicPr>
+          <p:nvPr/>
+        </p:nvPicPr>
+        <p:blipFill>
+          <a:blip r:embed="rId2">
+            <a:extLst>
+              <a:ext uri="{28A0092B-C50C-407E-A947-70E740481C1C}">
+                <a14:useLocalDpi xmlns:a14="http://schemas.microsoft.com/office/drawing/2010/main" val="0"/>
+              </a:ext>
+            </a:extLst>
+          </a:blip>
+          <a:stretch>
+            <a:fillRect/>
+          </a:stretch>
+        </p:blipFill>
+        <p:spPr>
+          <a:xfrm>
+            <a:off x="6635692" y="2323215"/>
+            <a:ext cx="4722901" cy="3545877"/>
+          </a:xfrm>
+          <a:prstGeom prst="rect">
+            <a:avLst/>
+          </a:prstGeom>
+        </p:spPr>
+      </p:pic>
+    </p:spTree>
+    <p:extLst>
+      <p:ext uri="{BB962C8B-B14F-4D97-AF65-F5344CB8AC3E}">
+        <p14:creationId xmlns:p14="http://schemas.microsoft.com/office/powerpoint/2010/main" val="3659370363"/>
+      </p:ext>
+    </p:extLst>
+  </p:cSld>
+  <p:clrMapOvr>
+    <a:masterClrMapping/>
+  </p:clrMapOvr>
+</p:sld>
+</file>
+
+<file path=ppt/slides/slide16.xml><?xml version="1.0" encoding="utf-8"?>
+<p:sld xmlns:a="http://schemas.openxmlformats.org/drawingml/2006/main" xmlns:r="http://schemas.openxmlformats.org/officeDocument/2006/relationships" xmlns:p="http://schemas.openxmlformats.org/presentationml/2006/main">
+  <p:cSld>
+    <p:spTree>
+      <p:nvGrpSpPr>
+        <p:cNvPr id="1" name=""/>
+        <p:cNvGrpSpPr/>
+        <p:nvPr/>
+      </p:nvGrpSpPr>
+      <p:grpSpPr>
+        <a:xfrm>
+          <a:off x="0" y="0"/>
+          <a:ext cx="0" cy="0"/>
+          <a:chOff x="0" y="0"/>
+          <a:chExt cx="0" cy="0"/>
+        </a:xfrm>
+      </p:grpSpPr>
+      <p:sp>
+        <p:nvSpPr>
+          <p:cNvPr id="2" name="Title 1">
+            <a:extLst>
+              <a:ext uri="{FF2B5EF4-FFF2-40B4-BE49-F238E27FC236}">
+                <a16:creationId xmlns:a16="http://schemas.microsoft.com/office/drawing/2014/main" id="{A61D8DD7-3F48-482B-ACF8-2F2E5A585358}"/>
+              </a:ext>
+            </a:extLst>
+          </p:cNvPr>
+          <p:cNvSpPr>
+            <a:spLocks noGrp="1"/>
+          </p:cNvSpPr>
+          <p:nvPr>
+            <p:ph type="title"/>
+          </p:nvPr>
+        </p:nvSpPr>
+        <p:spPr/>
+        <p:txBody>
+          <a:bodyPr/>
+          <a:lstStyle/>
+          <a:p>
+            <a:r>
+              <a:rPr lang="es-PE" dirty="0"/>
+              <a:t>Scripts y </a:t>
+            </a:r>
+            <a:r>
+              <a:rPr lang="es-PE" dirty="0" err="1"/>
+              <a:t>queries</a:t>
+            </a:r>
+            <a:endParaRPr lang="en-US" dirty="0"/>
+          </a:p>
+        </p:txBody>
+      </p:sp>
+      <p:sp>
+        <p:nvSpPr>
+          <p:cNvPr id="6" name="TextBox 5">
+            <a:extLst>
+              <a:ext uri="{FF2B5EF4-FFF2-40B4-BE49-F238E27FC236}">
+                <a16:creationId xmlns:a16="http://schemas.microsoft.com/office/drawing/2014/main" id="{06FD06A5-3016-479B-8C20-71330E55481E}"/>
+              </a:ext>
+            </a:extLst>
+          </p:cNvPr>
+          <p:cNvSpPr txBox="1"/>
+          <p:nvPr/>
+        </p:nvSpPr>
+        <p:spPr>
+          <a:xfrm>
+            <a:off x="6096000" y="3361671"/>
+            <a:ext cx="5559407" cy="923330"/>
+          </a:xfrm>
+          <a:prstGeom prst="rect">
+            <a:avLst/>
+          </a:prstGeom>
+          <a:noFill/>
+        </p:spPr>
+        <p:txBody>
+          <a:bodyPr wrap="none" rtlCol="0">
+            <a:spAutoFit/>
+          </a:bodyPr>
+          <a:lstStyle/>
+          <a:p>
+            <a:r>
+              <a:rPr lang="es-PE" dirty="0"/>
+              <a:t>Todos los Queries y scripts se encuentran </a:t>
+            </a:r>
+          </a:p>
+          <a:p>
+            <a:r>
+              <a:rPr lang="es-PE" dirty="0"/>
+              <a:t>en el siguiente repositorio en </a:t>
+            </a:r>
+            <a:r>
+              <a:rPr lang="es-PE" dirty="0" err="1"/>
+              <a:t>Github</a:t>
+            </a:r>
+            <a:r>
+              <a:rPr lang="es-PE" dirty="0"/>
+              <a:t>: </a:t>
+            </a:r>
+          </a:p>
+          <a:p>
+            <a:r>
+              <a:rPr lang="en-US" dirty="0">
+                <a:solidFill>
+                  <a:srgbClr val="0070C0"/>
+                </a:solidFill>
+              </a:rPr>
+              <a:t>https://github.com/Estremadoyro/indra-ejercicio-viajes</a:t>
+            </a:r>
+          </a:p>
+        </p:txBody>
+      </p:sp>
+    </p:spTree>
+    <p:extLst>
+      <p:ext uri="{BB962C8B-B14F-4D97-AF65-F5344CB8AC3E}">
+        <p14:creationId xmlns:p14="http://schemas.microsoft.com/office/powerpoint/2010/main" val="1150206343"/>
+      </p:ext>
+    </p:extLst>
+  </p:cSld>
+  <p:clrMapOvr>
+    <a:masterClrMapping/>
+  </p:clrMapOvr>
+</p:sld>
+</file>
+
 <file path=ppt/slides/slide2.xml><?xml version="1.0" encoding="utf-8"?>
 <p:sld xmlns:a="http://schemas.openxmlformats.org/drawingml/2006/main" xmlns:r="http://schemas.openxmlformats.org/officeDocument/2006/relationships" xmlns:p="http://schemas.openxmlformats.org/presentationml/2006/main">
   <p:cSld>
@@ -5693,7 +6764,7 @@
           <p:cNvPr id="2" name="Title 1">
             <a:extLst>
               <a:ext uri="{FF2B5EF4-FFF2-40B4-BE49-F238E27FC236}">
-                <a16:creationId xmlns:a16="http://schemas.microsoft.com/office/drawing/2014/main" id="{A61D8DD7-3F48-482B-ACF8-2F2E5A585358}"/>
+                <a16:creationId xmlns:a16="http://schemas.microsoft.com/office/drawing/2014/main" id="{548EB535-0A6D-4E87-B373-5AFD71EE31EA}"/>
               </a:ext>
             </a:extLst>
           </p:cNvPr>
@@ -5711,9 +6782,59 @@
           <a:p>
             <a:r>
               <a:rPr lang="es-PE" dirty="0"/>
-              <a:t>Queries</a:t>
-            </a:r>
-            <a:endParaRPr lang="en-US" dirty="0"/>
+              <a:t>Ejercicio</a:t>
+            </a:r>
+            <a:r>
+              <a:rPr lang="en-US" dirty="0"/>
+              <a:t> 7 </a:t>
+            </a:r>
+          </a:p>
+        </p:txBody>
+      </p:sp>
+      <p:sp>
+        <p:nvSpPr>
+          <p:cNvPr id="3" name="Content Placeholder 2">
+            <a:extLst>
+              <a:ext uri="{FF2B5EF4-FFF2-40B4-BE49-F238E27FC236}">
+                <a16:creationId xmlns:a16="http://schemas.microsoft.com/office/drawing/2014/main" id="{D6DAC55B-9D3E-4DD0-B8B0-137372B5973F}"/>
+              </a:ext>
+            </a:extLst>
+          </p:cNvPr>
+          <p:cNvSpPr>
+            <a:spLocks noGrp="1"/>
+          </p:cNvSpPr>
+          <p:nvPr>
+            <p:ph idx="1"/>
+          </p:nvPr>
+        </p:nvSpPr>
+        <p:spPr/>
+        <p:txBody>
+          <a:bodyPr/>
+          <a:lstStyle/>
+          <a:p>
+            <a:r>
+              <a:rPr lang="es-PE" dirty="0"/>
+              <a:t>Para agregar los retrasos y agruparlos por día se utilizó una </a:t>
+            </a:r>
+            <a:r>
+              <a:rPr lang="es-PE" dirty="0" err="1"/>
+              <a:t>Window</a:t>
+            </a:r>
+            <a:r>
+              <a:rPr lang="es-PE" dirty="0"/>
+              <a:t> </a:t>
+            </a:r>
+            <a:r>
+              <a:rPr lang="es-PE" dirty="0" err="1"/>
+              <a:t>function</a:t>
+            </a:r>
+            <a:r>
+              <a:rPr lang="es-PE" dirty="0"/>
+              <a:t>, particionando por el campo Origen de la tabla Vuelos.</a:t>
+            </a:r>
+          </a:p>
+          <a:p>
+            <a:endParaRPr lang="es-PE" dirty="0"/>
           </a:p>
         </p:txBody>
       </p:sp>
@@ -5722,7 +6843,7 @@
           <p:cNvPr id="5" name="Picture 4">
             <a:extLst>
               <a:ext uri="{FF2B5EF4-FFF2-40B4-BE49-F238E27FC236}">
-                <a16:creationId xmlns:a16="http://schemas.microsoft.com/office/drawing/2014/main" id="{D799C8EA-C628-4FB8-9A91-E9964C63616F}"/>
+                <a16:creationId xmlns:a16="http://schemas.microsoft.com/office/drawing/2014/main" id="{9D9F8484-8256-44A2-9210-3543B4BB52BF}"/>
               </a:ext>
             </a:extLst>
           </p:cNvPr>
@@ -5739,77 +6860,219 @@
         </p:blipFill>
         <p:spPr>
           <a:xfrm>
-            <a:off x="1423956" y="2113930"/>
-            <a:ext cx="3038475" cy="3876675"/>
+            <a:off x="545991" y="3323190"/>
+            <a:ext cx="6918258" cy="1977680"/>
           </a:xfrm>
           <a:prstGeom prst="rect">
             <a:avLst/>
           </a:prstGeom>
         </p:spPr>
       </p:pic>
-      <p:sp>
-        <p:nvSpPr>
-          <p:cNvPr id="6" name="TextBox 5">
-            <a:extLst>
-              <a:ext uri="{FF2B5EF4-FFF2-40B4-BE49-F238E27FC236}">
-                <a16:creationId xmlns:a16="http://schemas.microsoft.com/office/drawing/2014/main" id="{06FD06A5-3016-479B-8C20-71330E55481E}"/>
-              </a:ext>
-            </a:extLst>
-          </p:cNvPr>
-          <p:cNvSpPr txBox="1"/>
+      <p:pic>
+        <p:nvPicPr>
+          <p:cNvPr id="7" name="Picture 6">
+            <a:extLst>
+              <a:ext uri="{FF2B5EF4-FFF2-40B4-BE49-F238E27FC236}">
+                <a16:creationId xmlns:a16="http://schemas.microsoft.com/office/drawing/2014/main" id="{593AB2A2-D060-4496-8687-2AF90755AEA0}"/>
+              </a:ext>
+            </a:extLst>
+          </p:cNvPr>
+          <p:cNvPicPr>
+            <a:picLocks noChangeAspect="1"/>
+          </p:cNvPicPr>
           <p:nvPr/>
-        </p:nvSpPr>
+        </p:nvPicPr>
+        <p:blipFill>
+          <a:blip r:embed="rId3"/>
+          <a:stretch>
+            <a:fillRect/>
+          </a:stretch>
+        </p:blipFill>
         <p:spPr>
           <a:xfrm>
-            <a:off x="5033941" y="3059668"/>
-            <a:ext cx="5559407" cy="923330"/>
+            <a:off x="7706469" y="3119645"/>
+            <a:ext cx="4000500" cy="2181225"/>
           </a:xfrm>
           <a:prstGeom prst="rect">
             <a:avLst/>
           </a:prstGeom>
-          <a:noFill/>
         </p:spPr>
-        <p:txBody>
-          <a:bodyPr wrap="none" rtlCol="0">
-            <a:spAutoFit/>
-          </a:bodyPr>
-          <a:lstStyle/>
-          <a:p>
-            <a:r>
-              <a:rPr lang="es-PE" dirty="0"/>
-              <a:t>Todos los Queries y scripts se encuentran </a:t>
-            </a:r>
-          </a:p>
-          <a:p>
-            <a:r>
-              <a:rPr lang="es-PE" dirty="0"/>
-              <a:t>en el siguiente repositorio en </a:t>
-            </a:r>
-            <a:r>
-              <a:rPr lang="es-PE" dirty="0" err="1"/>
-              <a:t>Github</a:t>
-            </a:r>
-            <a:r>
-              <a:rPr lang="es-PE" dirty="0"/>
-              <a:t>: </a:t>
-            </a:r>
-          </a:p>
-          <a:p>
-            <a:r>
-              <a:rPr lang="en-US" dirty="0">
-                <a:solidFill>
-                  <a:srgbClr val="0070C0"/>
-                </a:solidFill>
-              </a:rPr>
-              <a:t>https://github.com/Estremadoyro/indra-ejercicio-viajes</a:t>
-            </a:r>
-          </a:p>
-        </p:txBody>
-      </p:sp>
+      </p:pic>
     </p:spTree>
     <p:extLst>
       <p:ext uri="{BB962C8B-B14F-4D97-AF65-F5344CB8AC3E}">
-        <p14:creationId xmlns:p14="http://schemas.microsoft.com/office/powerpoint/2010/main" val="1150206343"/>
+        <p14:creationId xmlns:p14="http://schemas.microsoft.com/office/powerpoint/2010/main" val="1392544980"/>
+      </p:ext>
+    </p:extLst>
+  </p:cSld>
+  <p:clrMapOvr>
+    <a:masterClrMapping/>
+  </p:clrMapOvr>
+</p:sld>
+</file>
+
+<file path=ppt/slides/slide9.xml><?xml version="1.0" encoding="utf-8"?>
+<p:sld xmlns:a="http://schemas.openxmlformats.org/drawingml/2006/main" xmlns:r="http://schemas.openxmlformats.org/officeDocument/2006/relationships" xmlns:p="http://schemas.openxmlformats.org/presentationml/2006/main">
+  <p:cSld>
+    <p:spTree>
+      <p:nvGrpSpPr>
+        <p:cNvPr id="1" name=""/>
+        <p:cNvGrpSpPr/>
+        <p:nvPr/>
+      </p:nvGrpSpPr>
+      <p:grpSpPr>
+        <a:xfrm>
+          <a:off x="0" y="0"/>
+          <a:ext cx="0" cy="0"/>
+          <a:chOff x="0" y="0"/>
+          <a:chExt cx="0" cy="0"/>
+        </a:xfrm>
+      </p:grpSpPr>
+      <p:sp>
+        <p:nvSpPr>
+          <p:cNvPr id="2" name="Title 1">
+            <a:extLst>
+              <a:ext uri="{FF2B5EF4-FFF2-40B4-BE49-F238E27FC236}">
+                <a16:creationId xmlns:a16="http://schemas.microsoft.com/office/drawing/2014/main" id="{548EB535-0A6D-4E87-B373-5AFD71EE31EA}"/>
+              </a:ext>
+            </a:extLst>
+          </p:cNvPr>
+          <p:cNvSpPr>
+            <a:spLocks noGrp="1"/>
+          </p:cNvSpPr>
+          <p:nvPr>
+            <p:ph type="title"/>
+          </p:nvPr>
+        </p:nvSpPr>
+        <p:spPr/>
+        <p:txBody>
+          <a:bodyPr/>
+          <a:lstStyle/>
+          <a:p>
+            <a:r>
+              <a:rPr lang="es-PE" dirty="0"/>
+              <a:t>Ejercicio</a:t>
+            </a:r>
+            <a:r>
+              <a:rPr lang="en-US" dirty="0"/>
+              <a:t> 8 </a:t>
+            </a:r>
+          </a:p>
+        </p:txBody>
+      </p:sp>
+      <p:sp>
+        <p:nvSpPr>
+          <p:cNvPr id="3" name="Content Placeholder 2">
+            <a:extLst>
+              <a:ext uri="{FF2B5EF4-FFF2-40B4-BE49-F238E27FC236}">
+                <a16:creationId xmlns:a16="http://schemas.microsoft.com/office/drawing/2014/main" id="{D6DAC55B-9D3E-4DD0-B8B0-137372B5973F}"/>
+              </a:ext>
+            </a:extLst>
+          </p:cNvPr>
+          <p:cNvSpPr>
+            <a:spLocks noGrp="1"/>
+          </p:cNvSpPr>
+          <p:nvPr>
+            <p:ph idx="1"/>
+          </p:nvPr>
+        </p:nvSpPr>
+        <p:spPr/>
+        <p:txBody>
+          <a:bodyPr/>
+          <a:lstStyle/>
+          <a:p>
+            <a:r>
+              <a:rPr lang="es-PE" dirty="0"/>
+              <a:t>Para este ejercicio se crearon 3 clases, una </a:t>
+            </a:r>
+            <a:r>
+              <a:rPr lang="es-PE" dirty="0" err="1"/>
+              <a:t>OperacionSQL</a:t>
+            </a:r>
+            <a:r>
+              <a:rPr lang="es-PE" dirty="0"/>
+              <a:t> (Para generar una nueva operación), y 2 clases que sirvieron como interfaces </a:t>
+            </a:r>
+            <a:r>
+              <a:rPr lang="es-PE" dirty="0" err="1"/>
+              <a:t>JoinStructure</a:t>
+            </a:r>
+            <a:r>
+              <a:rPr lang="es-PE" dirty="0"/>
+              <a:t> y </a:t>
+            </a:r>
+            <a:r>
+              <a:rPr lang="es-PE" dirty="0" err="1"/>
+              <a:t>WindowFunction</a:t>
+            </a:r>
+            <a:endParaRPr lang="es-PE" dirty="0"/>
+          </a:p>
+        </p:txBody>
+      </p:sp>
+      <p:pic>
+        <p:nvPicPr>
+          <p:cNvPr id="6" name="Picture 5">
+            <a:extLst>
+              <a:ext uri="{FF2B5EF4-FFF2-40B4-BE49-F238E27FC236}">
+                <a16:creationId xmlns:a16="http://schemas.microsoft.com/office/drawing/2014/main" id="{59034220-0AEF-40D5-9927-3E16CF87E6BF}"/>
+              </a:ext>
+            </a:extLst>
+          </p:cNvPr>
+          <p:cNvPicPr>
+            <a:picLocks noChangeAspect="1"/>
+          </p:cNvPicPr>
+          <p:nvPr/>
+        </p:nvPicPr>
+        <p:blipFill>
+          <a:blip r:embed="rId2"/>
+          <a:stretch>
+            <a:fillRect/>
+          </a:stretch>
+        </p:blipFill>
+        <p:spPr>
+          <a:xfrm>
+            <a:off x="1564285" y="2916730"/>
+            <a:ext cx="3796281" cy="3058446"/>
+          </a:xfrm>
+          <a:prstGeom prst="rect">
+            <a:avLst/>
+          </a:prstGeom>
+        </p:spPr>
+      </p:pic>
+      <p:pic>
+        <p:nvPicPr>
+          <p:cNvPr id="9" name="Picture 8">
+            <a:extLst>
+              <a:ext uri="{FF2B5EF4-FFF2-40B4-BE49-F238E27FC236}">
+                <a16:creationId xmlns:a16="http://schemas.microsoft.com/office/drawing/2014/main" id="{E3941402-B54A-4E7A-9994-3FA9E3426610}"/>
+              </a:ext>
+            </a:extLst>
+          </p:cNvPr>
+          <p:cNvPicPr>
+            <a:picLocks noChangeAspect="1"/>
+          </p:cNvPicPr>
+          <p:nvPr/>
+        </p:nvPicPr>
+        <p:blipFill>
+          <a:blip r:embed="rId3"/>
+          <a:stretch>
+            <a:fillRect/>
+          </a:stretch>
+        </p:blipFill>
+        <p:spPr>
+          <a:xfrm>
+            <a:off x="6359240" y="3145416"/>
+            <a:ext cx="4564885" cy="2601074"/>
+          </a:xfrm>
+          <a:prstGeom prst="rect">
+            <a:avLst/>
+          </a:prstGeom>
+        </p:spPr>
+      </p:pic>
+    </p:spTree>
+    <p:extLst>
+      <p:ext uri="{BB962C8B-B14F-4D97-AF65-F5344CB8AC3E}">
+        <p14:creationId xmlns:p14="http://schemas.microsoft.com/office/powerpoint/2010/main" val="3894428332"/>
       </p:ext>
     </p:extLst>
   </p:cSld>
